--- a/Lectures/(Extra) Tools for Data Manipulation _ Management.pptx
+++ b/Lectures/(Extra) Tools for Data Manipulation _ Management.pptx
@@ -6,7 +6,7 @@
     <p:sldMasterId id="2147483673" r:id="rId2"/>
   </p:sldMasterIdLst>
   <p:notesMasterIdLst>
-    <p:notesMasterId r:id="rId19"/>
+    <p:notesMasterId r:id="rId20"/>
   </p:notesMasterIdLst>
   <p:sldIdLst>
     <p:sldId id="256" r:id="rId3"/>
@@ -25,30 +25,31 @@
     <p:sldId id="271" r:id="rId16"/>
     <p:sldId id="274" r:id="rId17"/>
     <p:sldId id="272" r:id="rId18"/>
+    <p:sldId id="298" r:id="rId19"/>
   </p:sldIdLst>
   <p:sldSz cx="12192000" cy="6858000"/>
   <p:notesSz cx="6858000" cy="9144000"/>
   <p:embeddedFontLst>
     <p:embeddedFont>
       <p:font typeface="Calibri" panose="020F0502020204030204" pitchFamily="34" charset="0"/>
-      <p:regular r:id="rId20"/>
-      <p:bold r:id="rId21"/>
-      <p:italic r:id="rId22"/>
-      <p:boldItalic r:id="rId23"/>
+      <p:regular r:id="rId21"/>
+      <p:bold r:id="rId22"/>
+      <p:italic r:id="rId23"/>
+      <p:boldItalic r:id="rId24"/>
     </p:embeddedFont>
     <p:embeddedFont>
-      <p:font typeface="Lato" panose="020B0604020202020204" charset="0"/>
-      <p:regular r:id="rId24"/>
-      <p:bold r:id="rId25"/>
-      <p:italic r:id="rId26"/>
-      <p:boldItalic r:id="rId27"/>
+      <p:font typeface="Lato" panose="020F0502020204030203" pitchFamily="34" charset="0"/>
+      <p:regular r:id="rId25"/>
+      <p:bold r:id="rId26"/>
+      <p:italic r:id="rId27"/>
+      <p:boldItalic r:id="rId28"/>
     </p:embeddedFont>
     <p:embeddedFont>
-      <p:font typeface="Raleway" panose="020B0604020202020204" charset="0"/>
-      <p:regular r:id="rId28"/>
-      <p:bold r:id="rId29"/>
-      <p:italic r:id="rId30"/>
-      <p:boldItalic r:id="rId31"/>
+      <p:font typeface="Raleway" pitchFamily="2" charset="0"/>
+      <p:regular r:id="rId29"/>
+      <p:bold r:id="rId30"/>
+      <p:italic r:id="rId31"/>
+      <p:boldItalic r:id="rId32"/>
     </p:embeddedFont>
   </p:embeddedFontLst>
   <p:defaultTextStyle>
@@ -288,8 +289,32 @@
 </p:presentation>
 </file>
 
+<file path=ppt/revisionInfo.xml><?xml version="1.0" encoding="utf-8"?>
+<p1510:revInfo xmlns:a="http://schemas.openxmlformats.org/drawingml/2006/main" xmlns:r="http://schemas.openxmlformats.org/officeDocument/2006/relationships" xmlns:p1510="http://schemas.microsoft.com/office/powerpoint/2015/10/main">
+  <p1510:revLst>
+    <p1510:client id="{AABAA411-13B2-4F13-A9E1-A3BC8F345DEA}" v="1" dt="2021-10-19T22:09:53.878"/>
+  </p1510:revLst>
+</p1510:revInfo>
+</file>
+
 <file path=ppt/changesInfos/changesInfo1.xml><?xml version="1.0" encoding="utf-8"?>
 <pc:chgInfo xmlns:a="http://schemas.openxmlformats.org/drawingml/2006/main" xmlns:r="http://schemas.openxmlformats.org/officeDocument/2006/relationships" xmlns:ac="http://schemas.microsoft.com/office/drawing/2013/main/command" xmlns:pc="http://schemas.microsoft.com/office/powerpoint/2013/main/command">
+  <pc:docChgLst>
+    <pc:chgData name="Jeremy Bergmann" userId="2355ee0d-2b6e-4bfe-a235-383daf8df8e3" providerId="ADAL" clId="{AABAA411-13B2-4F13-A9E1-A3BC8F345DEA}"/>
+    <pc:docChg chg="addSld modSld sldOrd">
+      <pc:chgData name="Jeremy Bergmann" userId="2355ee0d-2b6e-4bfe-a235-383daf8df8e3" providerId="ADAL" clId="{AABAA411-13B2-4F13-A9E1-A3BC8F345DEA}" dt="2021-10-19T22:09:57.216" v="2"/>
+      <pc:docMkLst>
+        <pc:docMk/>
+      </pc:docMkLst>
+      <pc:sldChg chg="add ord">
+        <pc:chgData name="Jeremy Bergmann" userId="2355ee0d-2b6e-4bfe-a235-383daf8df8e3" providerId="ADAL" clId="{AABAA411-13B2-4F13-A9E1-A3BC8F345DEA}" dt="2021-10-19T22:09:57.216" v="2"/>
+        <pc:sldMkLst>
+          <pc:docMk/>
+          <pc:sldMk cId="2526615778" sldId="298"/>
+        </pc:sldMkLst>
+      </pc:sldChg>
+    </pc:docChg>
+  </pc:docChgLst>
   <pc:docChgLst>
     <pc:chgData name="Jeremy Bergmann" userId="c2589a63-7d35-4bd4-b1d6-7fbcacc677e5" providerId="ADAL" clId="{18B3E636-0B74-4624-91BE-A3667B07476C}"/>
     <pc:docChg chg="delSld modSld">
@@ -2780,6 +2805,115 @@
         </p:txBody>
       </p:sp>
     </p:spTree>
+  </p:cSld>
+  <p:clrMapOvr>
+    <a:masterClrMapping/>
+  </p:clrMapOvr>
+</p:notes>
+</file>
+
+<file path=ppt/notesSlides/notesSlide17.xml><?xml version="1.0" encoding="utf-8"?>
+<p:notes xmlns:a="http://schemas.openxmlformats.org/drawingml/2006/main" xmlns:r="http://schemas.openxmlformats.org/officeDocument/2006/relationships" xmlns:p="http://schemas.openxmlformats.org/presentationml/2006/main" showMasterSp="0" showMasterPhAnim="0">
+  <p:cSld>
+    <p:spTree>
+      <p:nvGrpSpPr>
+        <p:cNvPr id="1" name="Shape 280"/>
+        <p:cNvGrpSpPr/>
+        <p:nvPr/>
+      </p:nvGrpSpPr>
+      <p:grpSpPr>
+        <a:xfrm>
+          <a:off x="0" y="0"/>
+          <a:ext cx="0" cy="0"/>
+          <a:chOff x="0" y="0"/>
+          <a:chExt cx="0" cy="0"/>
+        </a:xfrm>
+      </p:grpSpPr>
+      <p:sp>
+        <p:nvSpPr>
+          <p:cNvPr id="281" name="Google Shape;281;g5038ce4af1_0_367:notes"/>
+          <p:cNvSpPr txBox="1">
+            <a:spLocks noGrp="1"/>
+          </p:cNvSpPr>
+          <p:nvPr>
+            <p:ph type="body" idx="1"/>
+          </p:nvPr>
+        </p:nvSpPr>
+        <p:spPr>
+          <a:xfrm>
+            <a:off x="685800" y="4400550"/>
+            <a:ext cx="5486400" cy="3600600"/>
+          </a:xfrm>
+          <a:prstGeom prst="rect">
+            <a:avLst/>
+          </a:prstGeom>
+        </p:spPr>
+        <p:txBody>
+          <a:bodyPr spcFirstLastPara="1" wrap="square" lIns="91425" tIns="45700" rIns="91425" bIns="45700" anchor="t" anchorCtr="0">
+            <a:noAutofit/>
+          </a:bodyPr>
+          <a:lstStyle/>
+          <a:p>
+            <a:pPr marL="0" lvl="0" indent="0" algn="l" rtl="0">
+              <a:spcBef>
+                <a:spcPts val="0"/>
+              </a:spcBef>
+              <a:spcAft>
+                <a:spcPts val="0"/>
+              </a:spcAft>
+              <a:buNone/>
+            </a:pPr>
+            <a:endParaRPr dirty="0"/>
+          </a:p>
+        </p:txBody>
+      </p:sp>
+      <p:sp>
+        <p:nvSpPr>
+          <p:cNvPr id="282" name="Google Shape;282;g5038ce4af1_0_367:notes"/>
+          <p:cNvSpPr>
+            <a:spLocks noGrp="1" noRot="1" noChangeAspect="1"/>
+          </p:cNvSpPr>
+          <p:nvPr>
+            <p:ph type="sldImg" idx="2"/>
+          </p:nvPr>
+        </p:nvSpPr>
+        <p:spPr>
+          <a:xfrm>
+            <a:off x="685800" y="1143000"/>
+            <a:ext cx="5486400" cy="3086100"/>
+          </a:xfrm>
+          <a:custGeom>
+            <a:avLst/>
+            <a:gdLst/>
+            <a:ahLst/>
+            <a:cxnLst/>
+            <a:rect l="l" t="t" r="r" b="b"/>
+            <a:pathLst>
+              <a:path w="120000" h="120000" extrusionOk="0">
+                <a:moveTo>
+                  <a:pt x="0" y="0"/>
+                </a:moveTo>
+                <a:lnTo>
+                  <a:pt x="120000" y="0"/>
+                </a:lnTo>
+                <a:lnTo>
+                  <a:pt x="120000" y="120000"/>
+                </a:lnTo>
+                <a:lnTo>
+                  <a:pt x="0" y="120000"/>
+                </a:lnTo>
+                <a:close/>
+              </a:path>
+            </a:pathLst>
+          </a:custGeom>
+        </p:spPr>
+      </p:sp>
+    </p:spTree>
+    <p:extLst>
+      <p:ext uri="{BB962C8B-B14F-4D97-AF65-F5344CB8AC3E}">
+        <p14:creationId xmlns:p14="http://schemas.microsoft.com/office/powerpoint/2010/main" val="1561435724"/>
+      </p:ext>
+    </p:extLst>
   </p:cSld>
   <p:clrMapOvr>
     <a:masterClrMapping/>
@@ -26934,6 +27068,83 @@
 </p:sld>
 </file>
 
+<file path=ppt/slides/slide17.xml><?xml version="1.0" encoding="utf-8"?>
+<p:sld xmlns:a="http://schemas.openxmlformats.org/drawingml/2006/main" xmlns:r="http://schemas.openxmlformats.org/officeDocument/2006/relationships" xmlns:p="http://schemas.openxmlformats.org/presentationml/2006/main">
+  <p:cSld>
+    <p:spTree>
+      <p:nvGrpSpPr>
+        <p:cNvPr id="1" name="Shape 283"/>
+        <p:cNvGrpSpPr/>
+        <p:nvPr/>
+      </p:nvGrpSpPr>
+      <p:grpSpPr>
+        <a:xfrm>
+          <a:off x="0" y="0"/>
+          <a:ext cx="0" cy="0"/>
+          <a:chOff x="0" y="0"/>
+          <a:chExt cx="0" cy="0"/>
+        </a:xfrm>
+      </p:grpSpPr>
+      <p:pic>
+        <p:nvPicPr>
+          <p:cNvPr id="1026" name="Picture 2">
+            <a:extLst>
+              <a:ext uri="{FF2B5EF4-FFF2-40B4-BE49-F238E27FC236}">
+                <a16:creationId xmlns:a16="http://schemas.microsoft.com/office/drawing/2014/main" id="{D1755135-1C39-4F3D-8222-7A8A18AA4C5D}"/>
+              </a:ext>
+            </a:extLst>
+          </p:cNvPr>
+          <p:cNvPicPr>
+            <a:picLocks noChangeAspect="1" noChangeArrowheads="1"/>
+          </p:cNvPicPr>
+          <p:nvPr/>
+        </p:nvPicPr>
+        <p:blipFill>
+          <a:blip r:embed="rId3">
+            <a:extLst>
+              <a:ext uri="{28A0092B-C50C-407E-A947-70E740481C1C}">
+                <a14:useLocalDpi xmlns:a14="http://schemas.microsoft.com/office/drawing/2010/main" val="0"/>
+              </a:ext>
+            </a:extLst>
+          </a:blip>
+          <a:srcRect/>
+          <a:stretch>
+            <a:fillRect/>
+          </a:stretch>
+        </p:blipFill>
+        <p:spPr bwMode="auto">
+          <a:xfrm>
+            <a:off x="0" y="0"/>
+            <a:ext cx="12192000" cy="6858000"/>
+          </a:xfrm>
+          <a:prstGeom prst="rect">
+            <a:avLst/>
+          </a:prstGeom>
+          <a:noFill/>
+          <a:extLst>
+            <a:ext uri="{909E8E84-426E-40DD-AFC4-6F175D3DCCD1}">
+              <a14:hiddenFill xmlns:a14="http://schemas.microsoft.com/office/drawing/2010/main">
+                <a:solidFill>
+                  <a:srgbClr val="FFFFFF"/>
+                </a:solidFill>
+              </a14:hiddenFill>
+            </a:ext>
+          </a:extLst>
+        </p:spPr>
+      </p:pic>
+    </p:spTree>
+    <p:extLst>
+      <p:ext uri="{BB962C8B-B14F-4D97-AF65-F5344CB8AC3E}">
+        <p14:creationId xmlns:p14="http://schemas.microsoft.com/office/powerpoint/2010/main" val="2526615778"/>
+      </p:ext>
+    </p:extLst>
+  </p:cSld>
+  <p:clrMapOvr>
+    <a:masterClrMapping/>
+  </p:clrMapOvr>
+</p:sld>
+</file>
+
 <file path=ppt/slides/slide2.xml><?xml version="1.0" encoding="utf-8"?>
 <p:sld xmlns:a="http://schemas.openxmlformats.org/drawingml/2006/main" xmlns:r="http://schemas.openxmlformats.org/officeDocument/2006/relationships" xmlns:p="http://schemas.openxmlformats.org/presentationml/2006/main">
   <p:cSld>
